--- a/Course2/Course2_Images/Pics_Creation.pptx
+++ b/Course2/Course2_Images/Pics_Creation.pptx
@@ -5,11 +5,12 @@
     <p:sldMasterId id="2147483648" r:id="rId1"/>
   </p:sldMasterIdLst>
   <p:notesMasterIdLst>
-    <p:notesMasterId r:id="rId4"/>
+    <p:notesMasterId r:id="rId5"/>
   </p:notesMasterIdLst>
   <p:sldIdLst>
     <p:sldId id="256" r:id="rId2"/>
     <p:sldId id="365" r:id="rId3"/>
+    <p:sldId id="367" r:id="rId4"/>
   </p:sldIdLst>
   <p:sldSz cx="12192000" cy="6858000"/>
   <p:notesSz cx="6858000" cy="9144000"/>
@@ -3944,7 +3945,7 @@
           <a:p>
             <a:fld id="{5B0F8300-5ADF-476D-9D83-D0A9D89B3544}" type="datetimeFigureOut">
               <a:rPr lang="en-US" smtClean="0"/>
-              <a:t>10/27/2022</a:t>
+              <a:t>10/28/2022</a:t>
             </a:fld>
             <a:endParaRPr lang="en-US"/>
           </a:p>
@@ -4358,7 +4359,7 @@
           <a:p>
             <a:fld id="{00A575C4-B465-4BE3-9035-C3BD64146F6E}" type="datetimeFigureOut">
               <a:rPr lang="en-US" smtClean="0"/>
-              <a:t>10/27/2022</a:t>
+              <a:t>10/28/2022</a:t>
             </a:fld>
             <a:endParaRPr lang="en-US"/>
           </a:p>
@@ -4556,7 +4557,7 @@
           <a:p>
             <a:fld id="{00A575C4-B465-4BE3-9035-C3BD64146F6E}" type="datetimeFigureOut">
               <a:rPr lang="en-US" smtClean="0"/>
-              <a:t>10/27/2022</a:t>
+              <a:t>10/28/2022</a:t>
             </a:fld>
             <a:endParaRPr lang="en-US"/>
           </a:p>
@@ -4764,7 +4765,7 @@
           <a:p>
             <a:fld id="{00A575C4-B465-4BE3-9035-C3BD64146F6E}" type="datetimeFigureOut">
               <a:rPr lang="en-US" smtClean="0"/>
-              <a:t>10/27/2022</a:t>
+              <a:t>10/28/2022</a:t>
             </a:fld>
             <a:endParaRPr lang="en-US"/>
           </a:p>
@@ -4962,7 +4963,7 @@
           <a:p>
             <a:fld id="{00A575C4-B465-4BE3-9035-C3BD64146F6E}" type="datetimeFigureOut">
               <a:rPr lang="en-US" smtClean="0"/>
-              <a:t>10/27/2022</a:t>
+              <a:t>10/28/2022</a:t>
             </a:fld>
             <a:endParaRPr lang="en-US"/>
           </a:p>
@@ -5237,7 +5238,7 @@
           <a:p>
             <a:fld id="{00A575C4-B465-4BE3-9035-C3BD64146F6E}" type="datetimeFigureOut">
               <a:rPr lang="en-US" smtClean="0"/>
-              <a:t>10/27/2022</a:t>
+              <a:t>10/28/2022</a:t>
             </a:fld>
             <a:endParaRPr lang="en-US"/>
           </a:p>
@@ -5502,7 +5503,7 @@
           <a:p>
             <a:fld id="{00A575C4-B465-4BE3-9035-C3BD64146F6E}" type="datetimeFigureOut">
               <a:rPr lang="en-US" smtClean="0"/>
-              <a:t>10/27/2022</a:t>
+              <a:t>10/28/2022</a:t>
             </a:fld>
             <a:endParaRPr lang="en-US"/>
           </a:p>
@@ -5914,7 +5915,7 @@
           <a:p>
             <a:fld id="{00A575C4-B465-4BE3-9035-C3BD64146F6E}" type="datetimeFigureOut">
               <a:rPr lang="en-US" smtClean="0"/>
-              <a:t>10/27/2022</a:t>
+              <a:t>10/28/2022</a:t>
             </a:fld>
             <a:endParaRPr lang="en-US"/>
           </a:p>
@@ -6055,7 +6056,7 @@
           <a:p>
             <a:fld id="{00A575C4-B465-4BE3-9035-C3BD64146F6E}" type="datetimeFigureOut">
               <a:rPr lang="en-US" smtClean="0"/>
-              <a:t>10/27/2022</a:t>
+              <a:t>10/28/2022</a:t>
             </a:fld>
             <a:endParaRPr lang="en-US"/>
           </a:p>
@@ -6168,7 +6169,7 @@
           <a:p>
             <a:fld id="{00A575C4-B465-4BE3-9035-C3BD64146F6E}" type="datetimeFigureOut">
               <a:rPr lang="en-US" smtClean="0"/>
-              <a:t>10/27/2022</a:t>
+              <a:t>10/28/2022</a:t>
             </a:fld>
             <a:endParaRPr lang="en-US"/>
           </a:p>
@@ -6479,7 +6480,7 @@
           <a:p>
             <a:fld id="{00A575C4-B465-4BE3-9035-C3BD64146F6E}" type="datetimeFigureOut">
               <a:rPr lang="en-US" smtClean="0"/>
-              <a:t>10/27/2022</a:t>
+              <a:t>10/28/2022</a:t>
             </a:fld>
             <a:endParaRPr lang="en-US"/>
           </a:p>
@@ -6767,7 +6768,7 @@
           <a:p>
             <a:fld id="{00A575C4-B465-4BE3-9035-C3BD64146F6E}" type="datetimeFigureOut">
               <a:rPr lang="en-US" smtClean="0"/>
-              <a:t>10/27/2022</a:t>
+              <a:t>10/28/2022</a:t>
             </a:fld>
             <a:endParaRPr lang="en-US"/>
           </a:p>
@@ -7008,7 +7009,7 @@
           <a:p>
             <a:fld id="{00A575C4-B465-4BE3-9035-C3BD64146F6E}" type="datetimeFigureOut">
               <a:rPr lang="en-US" smtClean="0"/>
-              <a:t>10/27/2022</a:t>
+              <a:t>10/28/2022</a:t>
             </a:fld>
             <a:endParaRPr lang="en-US"/>
           </a:p>
@@ -9505,6 +9506,337 @@
 </p:sld>
 </file>
 
+<file path=ppt/slides/slide3.xml><?xml version="1.0" encoding="utf-8"?>
+<p:sld xmlns:a="http://schemas.openxmlformats.org/drawingml/2006/main" xmlns:r="http://schemas.openxmlformats.org/officeDocument/2006/relationships" xmlns:p="http://schemas.openxmlformats.org/presentationml/2006/main">
+  <p:cSld>
+    <p:spTree>
+      <p:nvGrpSpPr>
+        <p:cNvPr id="1" name=""/>
+        <p:cNvGrpSpPr/>
+        <p:nvPr/>
+      </p:nvGrpSpPr>
+      <p:grpSpPr>
+        <a:xfrm>
+          <a:off x="0" y="0"/>
+          <a:ext cx="0" cy="0"/>
+          <a:chOff x="0" y="0"/>
+          <a:chExt cx="0" cy="0"/>
+        </a:xfrm>
+      </p:grpSpPr>
+      <p:grpSp>
+        <p:nvGrpSpPr>
+          <p:cNvPr id="9" name="Group 8">
+            <a:extLst>
+              <a:ext uri="{FF2B5EF4-FFF2-40B4-BE49-F238E27FC236}">
+                <a16:creationId xmlns:a16="http://schemas.microsoft.com/office/drawing/2014/main" id="{C397DB9B-280F-8C21-42D6-6A26BFFD6ED2}"/>
+              </a:ext>
+            </a:extLst>
+          </p:cNvPr>
+          <p:cNvGrpSpPr/>
+          <p:nvPr/>
+        </p:nvGrpSpPr>
+        <p:grpSpPr>
+          <a:xfrm>
+            <a:off x="0" y="1388293"/>
+            <a:ext cx="12192000" cy="4653278"/>
+            <a:chOff x="0" y="1388293"/>
+            <a:chExt cx="12192000" cy="4653278"/>
+          </a:xfrm>
+        </p:grpSpPr>
+        <p:sp>
+          <p:nvSpPr>
+            <p:cNvPr id="4" name="TextBox 3">
+              <a:extLst>
+                <a:ext uri="{FF2B5EF4-FFF2-40B4-BE49-F238E27FC236}">
+                  <a16:creationId xmlns:a16="http://schemas.microsoft.com/office/drawing/2014/main" id="{EACAC53B-BB86-E11B-905A-607BBE05ADF2}"/>
+                </a:ext>
+              </a:extLst>
+            </p:cNvPr>
+            <p:cNvSpPr txBox="1"/>
+            <p:nvPr/>
+          </p:nvSpPr>
+          <p:spPr>
+            <a:xfrm>
+              <a:off x="0" y="1388293"/>
+              <a:ext cx="12192000" cy="461665"/>
+            </a:xfrm>
+            <a:prstGeom prst="rect">
+              <a:avLst/>
+            </a:prstGeom>
+            <a:solidFill>
+              <a:schemeClr val="bg2">
+                <a:lumMod val="90000"/>
+              </a:schemeClr>
+            </a:solidFill>
+          </p:spPr>
+          <p:txBody>
+            <a:bodyPr wrap="square" rtlCol="0">
+              <a:spAutoFit/>
+            </a:bodyPr>
+            <a:lstStyle/>
+            <a:p>
+              <a:pPr algn="ctr"/>
+              <a:r>
+                <a:rPr lang="en-IN" sz="2400" b="1" dirty="0"/>
+                <a:t>Collaboration Triangle</a:t>
+              </a:r>
+              <a:endParaRPr lang="en-US" sz="2400" b="1" dirty="0"/>
+            </a:p>
+          </p:txBody>
+        </p:sp>
+        <p:sp>
+          <p:nvSpPr>
+            <p:cNvPr id="5" name="Isosceles Triangle 4">
+              <a:extLst>
+                <a:ext uri="{FF2B5EF4-FFF2-40B4-BE49-F238E27FC236}">
+                  <a16:creationId xmlns:a16="http://schemas.microsoft.com/office/drawing/2014/main" id="{24D021A8-98F7-1147-8482-6BCEF38EAD5D}"/>
+                </a:ext>
+              </a:extLst>
+            </p:cNvPr>
+            <p:cNvSpPr/>
+            <p:nvPr/>
+          </p:nvSpPr>
+          <p:spPr>
+            <a:xfrm>
+              <a:off x="4157932" y="2777705"/>
+              <a:ext cx="3407434" cy="2838091"/>
+            </a:xfrm>
+            <a:prstGeom prst="triangle">
+              <a:avLst/>
+            </a:prstGeom>
+            <a:solidFill>
+              <a:schemeClr val="accent6">
+                <a:lumMod val="40000"/>
+                <a:lumOff val="60000"/>
+              </a:schemeClr>
+            </a:solidFill>
+          </p:spPr>
+          <p:style>
+            <a:lnRef idx="2">
+              <a:schemeClr val="accent1">
+                <a:shade val="50000"/>
+              </a:schemeClr>
+            </a:lnRef>
+            <a:fillRef idx="1">
+              <a:schemeClr val="accent1"/>
+            </a:fillRef>
+            <a:effectRef idx="0">
+              <a:schemeClr val="accent1"/>
+            </a:effectRef>
+            <a:fontRef idx="minor">
+              <a:schemeClr val="lt1"/>
+            </a:fontRef>
+          </p:style>
+          <p:txBody>
+            <a:bodyPr rtlCol="0" anchor="ctr"/>
+            <a:lstStyle/>
+            <a:p>
+              <a:pPr algn="ctr"/>
+              <a:endParaRPr lang="en-US"/>
+            </a:p>
+          </p:txBody>
+        </p:sp>
+        <p:sp>
+          <p:nvSpPr>
+            <p:cNvPr id="6" name="Rectangle: Rounded Corners 5">
+              <a:extLst>
+                <a:ext uri="{FF2B5EF4-FFF2-40B4-BE49-F238E27FC236}">
+                  <a16:creationId xmlns:a16="http://schemas.microsoft.com/office/drawing/2014/main" id="{0C2F0C72-B0DF-0E93-9AB0-EFD7A868B24D}"/>
+                </a:ext>
+              </a:extLst>
+            </p:cNvPr>
+            <p:cNvSpPr/>
+            <p:nvPr/>
+          </p:nvSpPr>
+          <p:spPr>
+            <a:xfrm>
+              <a:off x="4123426" y="2234242"/>
+              <a:ext cx="3579963" cy="370935"/>
+            </a:xfrm>
+            <a:prstGeom prst="roundRect">
+              <a:avLst/>
+            </a:prstGeom>
+            <a:solidFill>
+              <a:schemeClr val="accent2">
+                <a:lumMod val="40000"/>
+                <a:lumOff val="60000"/>
+              </a:schemeClr>
+            </a:solidFill>
+          </p:spPr>
+          <p:style>
+            <a:lnRef idx="2">
+              <a:schemeClr val="accent1">
+                <a:shade val="50000"/>
+              </a:schemeClr>
+            </a:lnRef>
+            <a:fillRef idx="1">
+              <a:schemeClr val="accent1"/>
+            </a:fillRef>
+            <a:effectRef idx="0">
+              <a:schemeClr val="accent1"/>
+            </a:effectRef>
+            <a:fontRef idx="minor">
+              <a:schemeClr val="lt1"/>
+            </a:fontRef>
+          </p:style>
+          <p:txBody>
+            <a:bodyPr rtlCol="0" anchor="ctr"/>
+            <a:lstStyle/>
+            <a:p>
+              <a:pPr algn="ctr"/>
+              <a:r>
+                <a:rPr lang="en-IN" dirty="0">
+                  <a:solidFill>
+                    <a:schemeClr val="tx1"/>
+                  </a:solidFill>
+                </a:rPr>
+                <a:t>Narrative Collaboration</a:t>
+              </a:r>
+              <a:endParaRPr lang="en-US" dirty="0">
+                <a:solidFill>
+                  <a:schemeClr val="tx1"/>
+                </a:solidFill>
+              </a:endParaRPr>
+            </a:p>
+          </p:txBody>
+        </p:sp>
+        <p:sp>
+          <p:nvSpPr>
+            <p:cNvPr id="7" name="Rectangle: Rounded Corners 6">
+              <a:extLst>
+                <a:ext uri="{FF2B5EF4-FFF2-40B4-BE49-F238E27FC236}">
+                  <a16:creationId xmlns:a16="http://schemas.microsoft.com/office/drawing/2014/main" id="{E9B1EF10-547B-A8B2-134A-33DC2E4AD5C4}"/>
+                </a:ext>
+              </a:extLst>
+            </p:cNvPr>
+            <p:cNvSpPr/>
+            <p:nvPr/>
+          </p:nvSpPr>
+          <p:spPr>
+            <a:xfrm>
+              <a:off x="7933426" y="5330045"/>
+              <a:ext cx="2054217" cy="711526"/>
+            </a:xfrm>
+            <a:prstGeom prst="roundRect">
+              <a:avLst/>
+            </a:prstGeom>
+            <a:solidFill>
+              <a:schemeClr val="accent2">
+                <a:lumMod val="40000"/>
+                <a:lumOff val="60000"/>
+              </a:schemeClr>
+            </a:solidFill>
+          </p:spPr>
+          <p:style>
+            <a:lnRef idx="2">
+              <a:schemeClr val="accent1">
+                <a:shade val="50000"/>
+              </a:schemeClr>
+            </a:lnRef>
+            <a:fillRef idx="1">
+              <a:schemeClr val="accent1"/>
+            </a:fillRef>
+            <a:effectRef idx="0">
+              <a:schemeClr val="accent1"/>
+            </a:effectRef>
+            <a:fontRef idx="minor">
+              <a:schemeClr val="lt1"/>
+            </a:fontRef>
+          </p:style>
+          <p:txBody>
+            <a:bodyPr rtlCol="0" anchor="ctr"/>
+            <a:lstStyle/>
+            <a:p>
+              <a:pPr algn="ctr"/>
+              <a:r>
+                <a:rPr lang="en-IN" dirty="0">
+                  <a:solidFill>
+                    <a:schemeClr val="tx1"/>
+                  </a:solidFill>
+                </a:rPr>
+                <a:t>Experimentation Culture</a:t>
+              </a:r>
+              <a:endParaRPr lang="en-US" dirty="0">
+                <a:solidFill>
+                  <a:schemeClr val="tx1"/>
+                </a:solidFill>
+              </a:endParaRPr>
+            </a:p>
+          </p:txBody>
+        </p:sp>
+        <p:sp>
+          <p:nvSpPr>
+            <p:cNvPr id="8" name="Rectangle: Rounded Corners 7">
+              <a:extLst>
+                <a:ext uri="{FF2B5EF4-FFF2-40B4-BE49-F238E27FC236}">
+                  <a16:creationId xmlns:a16="http://schemas.microsoft.com/office/drawing/2014/main" id="{FF716CBA-D59A-95E8-C92F-03AB17596B0D}"/>
+                </a:ext>
+              </a:extLst>
+            </p:cNvPr>
+            <p:cNvSpPr/>
+            <p:nvPr/>
+          </p:nvSpPr>
+          <p:spPr>
+            <a:xfrm>
+              <a:off x="1913626" y="5330045"/>
+              <a:ext cx="2054217" cy="711526"/>
+            </a:xfrm>
+            <a:prstGeom prst="roundRect">
+              <a:avLst/>
+            </a:prstGeom>
+            <a:solidFill>
+              <a:schemeClr val="accent2">
+                <a:lumMod val="40000"/>
+                <a:lumOff val="60000"/>
+              </a:schemeClr>
+            </a:solidFill>
+          </p:spPr>
+          <p:style>
+            <a:lnRef idx="2">
+              <a:schemeClr val="accent1">
+                <a:shade val="50000"/>
+              </a:schemeClr>
+            </a:lnRef>
+            <a:fillRef idx="1">
+              <a:schemeClr val="accent1"/>
+            </a:fillRef>
+            <a:effectRef idx="0">
+              <a:schemeClr val="accent1"/>
+            </a:effectRef>
+            <a:fontRef idx="minor">
+              <a:schemeClr val="lt1"/>
+            </a:fontRef>
+          </p:style>
+          <p:txBody>
+            <a:bodyPr rtlCol="0" anchor="ctr"/>
+            <a:lstStyle/>
+            <a:p>
+              <a:pPr algn="ctr"/>
+              <a:r>
+                <a:rPr lang="en-IN" dirty="0">
+                  <a:solidFill>
+                    <a:schemeClr val="tx1"/>
+                  </a:solidFill>
+                </a:rPr>
+                <a:t>Small Batches</a:t>
+              </a:r>
+            </a:p>
+          </p:txBody>
+        </p:sp>
+      </p:grpSp>
+    </p:spTree>
+    <p:extLst>
+      <p:ext uri="{BB962C8B-B14F-4D97-AF65-F5344CB8AC3E}">
+        <p14:creationId xmlns:p14="http://schemas.microsoft.com/office/powerpoint/2010/main" val="1903288876"/>
+      </p:ext>
+    </p:extLst>
+  </p:cSld>
+  <p:clrMapOvr>
+    <a:masterClrMapping/>
+  </p:clrMapOvr>
+</p:sld>
+</file>
+
 <file path=ppt/theme/theme1.xml><?xml version="1.0" encoding="utf-8"?>
 <a:theme xmlns:a="http://schemas.openxmlformats.org/drawingml/2006/main" name="Office Theme">
   <a:themeElements>
